--- a/documentation/slides/1-Tutorial-target-domain-presentation-Logo.pptx
+++ b/documentation/slides/1-Tutorial-target-domain-presentation-Logo.pptx
@@ -13,6 +13,7 @@
     <p:sldId id="261" r:id="rId8"/>
     <p:sldId id="262" r:id="rId9"/>
     <p:sldId id="263" r:id="rId10"/>
+    <p:sldId id="264" r:id="rId11"/>
   </p:sldIdLst>
   <p:sldSz cx="9144000" cy="6858000" type="screen4x3"/>
   <p:notesSz cx="6858000" cy="9144000"/>
@@ -7395,6 +7396,1077 @@
               <a:defRPr/>
             </a:pPr>
             <a:r>
+              <a:rPr lang="en-US" sz="2800" b="1" i="0" u="none" strike="noStrike" cap="none" spc="0">
+                <a:solidFill>
+                  <a:srgbClr val="B3DB11"/>
+                </a:solidFill>
+                <a:latin typeface="Arial Bold"/>
+                <a:ea typeface="Arial Bold"/>
+                <a:cs typeface="Arial Bold"/>
+              </a:rPr>
+              <a:t>From LOGO to Mindstorms</a:t>
+            </a:r>
+            <a:endParaRPr/>
+          </a:p>
+        </p:txBody>
+      </p:sp>
+      <p:sp>
+        <p:nvSpPr>
+          <p:cNvPr id="5" name="Rectangle 2" hidden="0"/>
+          <p:cNvSpPr/>
+          <p:nvPr isPhoto="0" userDrawn="0"/>
+        </p:nvSpPr>
+        <p:spPr bwMode="auto">
+          <a:xfrm>
+            <a:off x="166315" y="1453306"/>
+            <a:ext cx="8861598" cy="4556372"/>
+          </a:xfrm>
+          <a:prstGeom prst="rect">
+            <a:avLst/>
+          </a:prstGeom>
+          <a:solidFill>
+            <a:srgbClr val="FFFFFF"/>
+          </a:solidFill>
+          <a:ln>
+            <a:noFill/>
+          </a:ln>
+        </p:spPr>
+        <p:txBody>
+          <a:bodyPr lIns="0" tIns="0" rIns="0" bIns="0"/>
+          <a:lstStyle/>
+          <a:p>
+            <a:pPr>
+              <a:defRPr/>
+            </a:pPr>
+            <a:endParaRPr lang="fr-FR"/>
+          </a:p>
+        </p:txBody>
+      </p:sp>
+      <p:pic>
+        <p:nvPicPr>
+          <p:cNvPr id="6" name="Picture 3" hidden="0"/>
+          <p:cNvPicPr>
+            <a:picLocks noChangeArrowheads="1"/>
+          </p:cNvPicPr>
+          <p:nvPr isPhoto="0" userDrawn="0"/>
+        </p:nvPicPr>
+        <p:blipFill>
+          <a:blip r:embed="rId2"/>
+          <a:stretch/>
+        </p:blipFill>
+        <p:spPr bwMode="auto">
+          <a:xfrm>
+            <a:off x="3825254" y="1448841"/>
+            <a:ext cx="2973585" cy="3447975"/>
+          </a:xfrm>
+          <a:prstGeom prst="rect">
+            <a:avLst/>
+          </a:prstGeom>
+          <a:noFill/>
+          <a:ln>
+            <a:noFill/>
+          </a:ln>
+        </p:spPr>
+      </p:pic>
+      <p:pic>
+        <p:nvPicPr>
+          <p:cNvPr id="7" name="Picture 5" hidden="0"/>
+          <p:cNvPicPr>
+            <a:picLocks noChangeArrowheads="1"/>
+          </p:cNvPicPr>
+          <p:nvPr isPhoto="0" userDrawn="0"/>
+        </p:nvPicPr>
+        <p:blipFill>
+          <a:blip r:embed="rId3"/>
+          <a:srcRect l="16029" t="9444" r="29635" b="14956"/>
+          <a:stretch/>
+        </p:blipFill>
+        <p:spPr bwMode="auto">
+          <a:xfrm>
+            <a:off x="166315" y="2010295"/>
+            <a:ext cx="3834183" cy="4000500"/>
+          </a:xfrm>
+          <a:prstGeom prst="rect">
+            <a:avLst/>
+          </a:prstGeom>
+          <a:noFill/>
+          <a:ln>
+            <a:noFill/>
+          </a:ln>
+        </p:spPr>
+      </p:pic>
+      <p:pic>
+        <p:nvPicPr>
+          <p:cNvPr id="8" name="Picture 6" hidden="0"/>
+          <p:cNvPicPr>
+            <a:picLocks noChangeArrowheads="1"/>
+          </p:cNvPicPr>
+          <p:nvPr isPhoto="0" userDrawn="0"/>
+        </p:nvPicPr>
+        <p:blipFill>
+          <a:blip r:embed="rId4"/>
+          <a:srcRect l="33104" t="44379" r="54730" b="38873"/>
+          <a:stretch/>
+        </p:blipFill>
+        <p:spPr bwMode="auto">
+          <a:xfrm>
+            <a:off x="846086" y="3985989"/>
+            <a:ext cx="910827" cy="940964"/>
+          </a:xfrm>
+          <a:prstGeom prst="rect">
+            <a:avLst/>
+          </a:prstGeom>
+          <a:noFill/>
+          <a:ln>
+            <a:noFill/>
+          </a:ln>
+        </p:spPr>
+      </p:pic>
+      <p:pic>
+        <p:nvPicPr>
+          <p:cNvPr id="9" name="Picture 7" hidden="0"/>
+          <p:cNvPicPr>
+            <a:picLocks noChangeArrowheads="1"/>
+          </p:cNvPicPr>
+          <p:nvPr isPhoto="0" userDrawn="0"/>
+        </p:nvPicPr>
+        <p:blipFill>
+          <a:blip r:embed="rId5"/>
+          <a:srcRect l="0" t="0" r="34489" b="6682"/>
+          <a:stretch/>
+        </p:blipFill>
+        <p:spPr bwMode="auto">
+          <a:xfrm>
+            <a:off x="6467325" y="3277195"/>
+            <a:ext cx="2560587" cy="2734716"/>
+          </a:xfrm>
+          <a:prstGeom prst="rect">
+            <a:avLst/>
+          </a:prstGeom>
+          <a:noFill/>
+          <a:ln>
+            <a:noFill/>
+          </a:ln>
+        </p:spPr>
+      </p:pic>
+      <p:pic>
+        <p:nvPicPr>
+          <p:cNvPr id="10" name="Picture 8" hidden="0"/>
+          <p:cNvPicPr>
+            <a:picLocks noChangeArrowheads="1"/>
+          </p:cNvPicPr>
+          <p:nvPr isPhoto="0" userDrawn="0"/>
+        </p:nvPicPr>
+        <p:blipFill>
+          <a:blip r:embed="rId6"/>
+          <a:stretch/>
+        </p:blipFill>
+        <p:spPr bwMode="auto">
+          <a:xfrm>
+            <a:off x="4321968" y="4404568"/>
+            <a:ext cx="2143125" cy="1605110"/>
+          </a:xfrm>
+          <a:prstGeom prst="rect">
+            <a:avLst/>
+          </a:prstGeom>
+          <a:noFill/>
+          <a:ln>
+            <a:noFill/>
+          </a:ln>
+        </p:spPr>
+      </p:pic>
+      <p:sp>
+        <p:nvSpPr>
+          <p:cNvPr id="11" name="Rectangle 9" hidden="0"/>
+          <p:cNvSpPr/>
+          <p:nvPr isPhoto="0" userDrawn="0"/>
+        </p:nvSpPr>
+        <p:spPr bwMode="auto">
+          <a:xfrm flipH="0" flipV="0">
+            <a:off x="6516439" y="1655340"/>
+            <a:ext cx="1346387" cy="250030"/>
+          </a:xfrm>
+          <a:prstGeom prst="rect">
+            <a:avLst/>
+          </a:prstGeom>
+          <a:solidFill>
+            <a:srgbClr val="FFFFFF"/>
+          </a:solidFill>
+          <a:ln w="12700" cap="flat">
+            <a:solidFill>
+              <a:schemeClr val="tx1"/>
+            </a:solidFill>
+            <a:prstDash val="solid"/>
+            <a:miter/>
+            <a:headEnd type="none" w="med" len="med"/>
+            <a:tailEnd type="none" w="med" len="med"/>
+          </a:ln>
+        </p:spPr>
+        <p:txBody>
+          <a:bodyPr lIns="26786" tIns="26786" rIns="52974" bIns="26786"/>
+          <a:lstStyle/>
+          <a:p>
+            <a:pPr>
+              <a:spcBef>
+                <a:spcPts val="746"/>
+              </a:spcBef>
+              <a:defRPr/>
+            </a:pPr>
+            <a:r>
+              <a:rPr lang="en-US" sz="1300">
+                <a:solidFill>
+                  <a:srgbClr val="000000"/>
+                </a:solidFill>
+                <a:latin typeface="Arial"/>
+                <a:ea typeface="ＭＳ Ｐゴシック"/>
+                <a:cs typeface="Arial"/>
+              </a:rPr>
+              <a:t>Static constraints</a:t>
+            </a:r>
+            <a:endParaRPr/>
+          </a:p>
+        </p:txBody>
+      </p:sp>
+      <p:sp>
+        <p:nvSpPr>
+          <p:cNvPr id="12" name="Rectangle 10" hidden="0"/>
+          <p:cNvSpPr/>
+          <p:nvPr isPhoto="0" userDrawn="0"/>
+        </p:nvSpPr>
+        <p:spPr bwMode="auto">
+          <a:xfrm flipH="0" flipV="0">
+            <a:off x="4118817" y="3277194"/>
+            <a:ext cx="1323722" cy="462538"/>
+          </a:xfrm>
+          <a:prstGeom prst="rect">
+            <a:avLst/>
+          </a:prstGeom>
+          <a:solidFill>
+            <a:srgbClr val="FFFFFF"/>
+          </a:solidFill>
+          <a:ln w="12700" cap="flat">
+            <a:solidFill>
+              <a:schemeClr val="tx1"/>
+            </a:solidFill>
+            <a:prstDash val="solid"/>
+            <a:miter/>
+            <a:headEnd type="none" w="med" len="med"/>
+            <a:tailEnd type="none" w="med" len="med"/>
+          </a:ln>
+        </p:spPr>
+        <p:txBody>
+          <a:bodyPr lIns="26786" tIns="26786" rIns="52974" bIns="26786"/>
+          <a:lstStyle/>
+          <a:p>
+            <a:pPr algn="ctr">
+              <a:lnSpc>
+                <a:spcPct val="100000"/>
+              </a:lnSpc>
+              <a:spcBef>
+                <a:spcPts val="746"/>
+              </a:spcBef>
+              <a:defRPr/>
+            </a:pPr>
+            <a:r>
+              <a:rPr lang="en-US" sz="1300">
+                <a:solidFill>
+                  <a:srgbClr val="000000"/>
+                </a:solidFill>
+                <a:latin typeface="Arial"/>
+                <a:ea typeface="ＭＳ Ｐゴシック"/>
+                <a:cs typeface="Arial"/>
+              </a:rPr>
+              <a:t>Simulator </a:t>
+            </a:r>
+            <a:r>
+              <a:rPr lang="en-US" sz="1300">
+                <a:solidFill>
+                  <a:srgbClr val="000000"/>
+                </a:solidFill>
+                <a:latin typeface="Arial"/>
+                <a:ea typeface="ＭＳ Ｐゴシック"/>
+                <a:cs typeface="Arial"/>
+              </a:rPr>
+              <a:t>(interpreter)</a:t>
+            </a:r>
+            <a:endParaRPr lang="en-US" sz="1300">
+              <a:solidFill>
+                <a:srgbClr val="000000"/>
+              </a:solidFill>
+              <a:latin typeface="Arial"/>
+              <a:ea typeface="ＭＳ Ｐゴシック"/>
+              <a:cs typeface="Arial"/>
+            </a:endParaRPr>
+          </a:p>
+        </p:txBody>
+      </p:sp>
+      <p:sp>
+        <p:nvSpPr>
+          <p:cNvPr id="13" name="Line 11" hidden="0"/>
+          <p:cNvSpPr>
+            <a:spLocks noChangeShapeType="1"/>
+          </p:cNvSpPr>
+          <p:nvPr isPhoto="0" userDrawn="0"/>
+        </p:nvSpPr>
+        <p:spPr bwMode="auto">
+          <a:xfrm flipH="1">
+            <a:off x="5959450" y="1809378"/>
+            <a:ext cx="556988" cy="1116"/>
+          </a:xfrm>
+          <a:prstGeom prst="line">
+            <a:avLst/>
+          </a:prstGeom>
+          <a:noFill/>
+          <a:ln w="31750" cap="flat">
+            <a:solidFill>
+              <a:schemeClr val="tx1"/>
+            </a:solidFill>
+            <a:prstDash val="solid"/>
+            <a:round/>
+            <a:headEnd type="none" w="med" len="med"/>
+            <a:tailEnd type="triangle" w="med" len="lg"/>
+          </a:ln>
+        </p:spPr>
+        <p:txBody>
+          <a:bodyPr lIns="0" tIns="0" rIns="0" bIns="0"/>
+          <a:lstStyle/>
+          <a:p>
+            <a:pPr>
+              <a:defRPr/>
+            </a:pPr>
+            <a:endParaRPr lang="fr-FR"/>
+          </a:p>
+        </p:txBody>
+      </p:sp>
+      <p:sp>
+        <p:nvSpPr>
+          <p:cNvPr id="14" name="Line 12" hidden="0"/>
+          <p:cNvSpPr>
+            <a:spLocks noChangeShapeType="1"/>
+          </p:cNvSpPr>
+          <p:nvPr isPhoto="0" userDrawn="0"/>
+        </p:nvSpPr>
+        <p:spPr bwMode="auto">
+          <a:xfrm flipH="1">
+            <a:off x="4670226" y="2010296"/>
+            <a:ext cx="404066" cy="1265782"/>
+          </a:xfrm>
+          <a:prstGeom prst="line">
+            <a:avLst/>
+          </a:prstGeom>
+          <a:noFill/>
+          <a:ln w="31750" cap="flat">
+            <a:solidFill>
+              <a:schemeClr val="tx1"/>
+            </a:solidFill>
+            <a:prstDash val="solid"/>
+            <a:round/>
+            <a:headEnd type="none" w="med" len="med"/>
+            <a:tailEnd type="triangle" w="med" len="lg"/>
+          </a:ln>
+        </p:spPr>
+        <p:txBody>
+          <a:bodyPr lIns="0" tIns="0" rIns="0" bIns="0"/>
+          <a:lstStyle/>
+          <a:p>
+            <a:pPr>
+              <a:defRPr/>
+            </a:pPr>
+            <a:endParaRPr lang="fr-FR"/>
+          </a:p>
+        </p:txBody>
+      </p:sp>
+      <p:sp>
+        <p:nvSpPr>
+          <p:cNvPr id="15" name="Rectangle 13" hidden="0"/>
+          <p:cNvSpPr/>
+          <p:nvPr isPhoto="0" userDrawn="0"/>
+        </p:nvSpPr>
+        <p:spPr bwMode="auto">
+          <a:xfrm flipH="0" flipV="0">
+            <a:off x="2094011" y="5452690"/>
+            <a:ext cx="1713474" cy="263486"/>
+          </a:xfrm>
+          <a:prstGeom prst="rect">
+            <a:avLst/>
+          </a:prstGeom>
+          <a:solidFill>
+            <a:srgbClr val="FFFFFF"/>
+          </a:solidFill>
+          <a:ln w="12700" cap="flat">
+            <a:solidFill>
+              <a:schemeClr val="tx1"/>
+            </a:solidFill>
+            <a:prstDash val="solid"/>
+            <a:miter/>
+            <a:headEnd type="none" w="med" len="med"/>
+            <a:tailEnd type="none" w="med" len="med"/>
+          </a:ln>
+        </p:spPr>
+        <p:txBody>
+          <a:bodyPr lIns="26786" tIns="26786" rIns="52974" bIns="26786"/>
+          <a:lstStyle/>
+          <a:p>
+            <a:pPr>
+              <a:spcBef>
+                <a:spcPts val="746"/>
+              </a:spcBef>
+              <a:defRPr/>
+            </a:pPr>
+            <a:r>
+              <a:rPr lang="en-US" sz="1300">
+                <a:solidFill>
+                  <a:srgbClr val="000000"/>
+                </a:solidFill>
+                <a:latin typeface="Arial"/>
+                <a:ea typeface="ＭＳ Ｐゴシック"/>
+                <a:cs typeface="Arial"/>
+              </a:rPr>
+              <a:t>Result of a simulation</a:t>
+            </a:r>
+            <a:endParaRPr/>
+          </a:p>
+        </p:txBody>
+      </p:sp>
+      <p:sp>
+        <p:nvSpPr>
+          <p:cNvPr id="16" name="Line 14" hidden="0"/>
+          <p:cNvSpPr>
+            <a:spLocks noChangeShapeType="1"/>
+          </p:cNvSpPr>
+          <p:nvPr isPhoto="0" userDrawn="0"/>
+        </p:nvSpPr>
+        <p:spPr bwMode="auto">
+          <a:xfrm rot="10799990">
+            <a:off x="1756915" y="4795241"/>
+            <a:ext cx="506759" cy="657448"/>
+          </a:xfrm>
+          <a:prstGeom prst="line">
+            <a:avLst/>
+          </a:prstGeom>
+          <a:noFill/>
+          <a:ln w="31750" cap="flat">
+            <a:solidFill>
+              <a:schemeClr val="tx1"/>
+            </a:solidFill>
+            <a:prstDash val="solid"/>
+            <a:round/>
+            <a:headEnd type="none" w="med" len="med"/>
+            <a:tailEnd type="triangle" w="med" len="lg"/>
+          </a:ln>
+        </p:spPr>
+        <p:txBody>
+          <a:bodyPr lIns="0" tIns="0" rIns="0" bIns="0"/>
+          <a:lstStyle/>
+          <a:p>
+            <a:pPr>
+              <a:defRPr/>
+            </a:pPr>
+            <a:endParaRPr lang="fr-FR"/>
+          </a:p>
+        </p:txBody>
+      </p:sp>
+      <p:sp>
+        <p:nvSpPr>
+          <p:cNvPr id="17" name="Rectangle 15" hidden="0"/>
+          <p:cNvSpPr/>
+          <p:nvPr isPhoto="0" userDrawn="0"/>
+        </p:nvSpPr>
+        <p:spPr bwMode="auto">
+          <a:xfrm>
+            <a:off x="1504651" y="2163216"/>
+            <a:ext cx="1178718" cy="250030"/>
+          </a:xfrm>
+          <a:prstGeom prst="rect">
+            <a:avLst/>
+          </a:prstGeom>
+          <a:solidFill>
+            <a:srgbClr val="FFFFFF"/>
+          </a:solidFill>
+          <a:ln w="12700" cap="flat">
+            <a:solidFill>
+              <a:schemeClr val="tx1"/>
+            </a:solidFill>
+            <a:prstDash val="solid"/>
+            <a:miter/>
+            <a:headEnd type="none" w="med" len="med"/>
+            <a:tailEnd type="none" w="med" len="med"/>
+          </a:ln>
+        </p:spPr>
+        <p:txBody>
+          <a:bodyPr lIns="26786" tIns="26786" rIns="52974" bIns="26786"/>
+          <a:lstStyle/>
+          <a:p>
+            <a:pPr>
+              <a:spcBef>
+                <a:spcPts val="746"/>
+              </a:spcBef>
+              <a:defRPr/>
+            </a:pPr>
+            <a:r>
+              <a:rPr lang="en-US" sz="1300">
+                <a:solidFill>
+                  <a:srgbClr val="000000"/>
+                </a:solidFill>
+                <a:latin typeface="Arial"/>
+                <a:ea typeface="ＭＳ Ｐゴシック"/>
+                <a:cs typeface="Arial"/>
+              </a:rPr>
+              <a:t>Input scenario</a:t>
+            </a:r>
+            <a:endParaRPr/>
+          </a:p>
+        </p:txBody>
+      </p:sp>
+      <p:sp>
+        <p:nvSpPr>
+          <p:cNvPr id="18" name="Line 16" hidden="0"/>
+          <p:cNvSpPr>
+            <a:spLocks noChangeShapeType="1"/>
+          </p:cNvSpPr>
+          <p:nvPr isPhoto="0" userDrawn="0"/>
+        </p:nvSpPr>
+        <p:spPr bwMode="auto">
+          <a:xfrm flipH="1">
+            <a:off x="1201042" y="2466825"/>
+            <a:ext cx="860598" cy="98226"/>
+          </a:xfrm>
+          <a:prstGeom prst="line">
+            <a:avLst/>
+          </a:prstGeom>
+          <a:noFill/>
+          <a:ln w="31750" cap="flat">
+            <a:solidFill>
+              <a:schemeClr val="tx1"/>
+            </a:solidFill>
+            <a:prstDash val="solid"/>
+            <a:round/>
+            <a:headEnd type="none" w="med" len="med"/>
+            <a:tailEnd type="triangle" w="med" len="lg"/>
+          </a:ln>
+        </p:spPr>
+        <p:txBody>
+          <a:bodyPr lIns="0" tIns="0" rIns="0" bIns="0"/>
+          <a:lstStyle/>
+          <a:p>
+            <a:pPr>
+              <a:defRPr/>
+            </a:pPr>
+            <a:endParaRPr lang="fr-FR"/>
+          </a:p>
+        </p:txBody>
+      </p:sp>
+      <p:sp>
+        <p:nvSpPr>
+          <p:cNvPr id="19" name="Line 17" hidden="0"/>
+          <p:cNvSpPr>
+            <a:spLocks noChangeShapeType="1"/>
+          </p:cNvSpPr>
+          <p:nvPr isPhoto="0" userDrawn="0"/>
+        </p:nvSpPr>
+        <p:spPr bwMode="auto">
+          <a:xfrm>
+            <a:off x="2110754" y="2466825"/>
+            <a:ext cx="860598" cy="98226"/>
+          </a:xfrm>
+          <a:prstGeom prst="line">
+            <a:avLst/>
+          </a:prstGeom>
+          <a:noFill/>
+          <a:ln w="31750" cap="flat">
+            <a:solidFill>
+              <a:schemeClr val="tx1"/>
+            </a:solidFill>
+            <a:prstDash val="solid"/>
+            <a:round/>
+            <a:headEnd type="none" w="med" len="med"/>
+            <a:tailEnd type="triangle" w="med" len="lg"/>
+          </a:ln>
+        </p:spPr>
+        <p:txBody>
+          <a:bodyPr lIns="0" tIns="0" rIns="0" bIns="0"/>
+          <a:lstStyle/>
+          <a:p>
+            <a:pPr>
+              <a:defRPr/>
+            </a:pPr>
+            <a:endParaRPr lang="fr-FR"/>
+          </a:p>
+        </p:txBody>
+      </p:sp>
+      <p:sp>
+        <p:nvSpPr>
+          <p:cNvPr id="20" name="Line 18" hidden="0"/>
+          <p:cNvSpPr>
+            <a:spLocks noChangeShapeType="1"/>
+          </p:cNvSpPr>
+          <p:nvPr isPhoto="0" userDrawn="0"/>
+        </p:nvSpPr>
+        <p:spPr bwMode="auto">
+          <a:xfrm flipH="1">
+            <a:off x="1301501" y="5706070"/>
+            <a:ext cx="760140" cy="2232"/>
+          </a:xfrm>
+          <a:prstGeom prst="line">
+            <a:avLst/>
+          </a:prstGeom>
+          <a:noFill/>
+          <a:ln w="31750" cap="flat">
+            <a:solidFill>
+              <a:schemeClr val="tx1"/>
+            </a:solidFill>
+            <a:prstDash val="solid"/>
+            <a:round/>
+            <a:headEnd type="none" w="med" len="med"/>
+            <a:tailEnd type="triangle" w="med" len="lg"/>
+          </a:ln>
+        </p:spPr>
+        <p:txBody>
+          <a:bodyPr lIns="0" tIns="0" rIns="0" bIns="0"/>
+          <a:lstStyle/>
+          <a:p>
+            <a:pPr>
+              <a:defRPr/>
+            </a:pPr>
+            <a:endParaRPr lang="fr-FR"/>
+          </a:p>
+        </p:txBody>
+      </p:sp>
+      <p:sp>
+        <p:nvSpPr>
+          <p:cNvPr id="21" name="Rectangle 19" hidden="0"/>
+          <p:cNvSpPr/>
+          <p:nvPr isPhoto="0" userDrawn="0"/>
+        </p:nvSpPr>
+        <p:spPr bwMode="auto">
+          <a:xfrm>
+            <a:off x="6900415" y="2972469"/>
+            <a:ext cx="1946671" cy="437554"/>
+          </a:xfrm>
+          <a:prstGeom prst="rect">
+            <a:avLst/>
+          </a:prstGeom>
+          <a:solidFill>
+            <a:srgbClr val="FFFFFF"/>
+          </a:solidFill>
+          <a:ln w="12700" cap="flat">
+            <a:solidFill>
+              <a:schemeClr val="tx1"/>
+            </a:solidFill>
+            <a:prstDash val="solid"/>
+            <a:miter/>
+            <a:headEnd type="none" w="med" len="med"/>
+            <a:tailEnd type="none" w="med" len="med"/>
+          </a:ln>
+        </p:spPr>
+        <p:txBody>
+          <a:bodyPr lIns="26786" tIns="26786" rIns="52974" bIns="26786"/>
+          <a:lstStyle/>
+          <a:p>
+            <a:pPr>
+              <a:spcBef>
+                <a:spcPts val="746"/>
+              </a:spcBef>
+              <a:defRPr/>
+            </a:pPr>
+            <a:r>
+              <a:rPr lang="en-US" sz="1300">
+                <a:solidFill>
+                  <a:srgbClr val="000000"/>
+                </a:solidFill>
+                <a:latin typeface="Arial"/>
+                <a:ea typeface="ＭＳ Ｐゴシック"/>
+                <a:cs typeface="Arial"/>
+              </a:rPr>
+              <a:t>Embedded source code inside the robot</a:t>
+            </a:r>
+            <a:endParaRPr/>
+          </a:p>
+        </p:txBody>
+      </p:sp>
+      <p:sp>
+        <p:nvSpPr>
+          <p:cNvPr id="22" name="Rectangle 20" hidden="0"/>
+          <p:cNvSpPr/>
+          <p:nvPr isPhoto="0" userDrawn="0"/>
+        </p:nvSpPr>
+        <p:spPr bwMode="auto">
+          <a:xfrm>
+            <a:off x="6697265" y="4592091"/>
+            <a:ext cx="1178718" cy="437554"/>
+          </a:xfrm>
+          <a:prstGeom prst="rect">
+            <a:avLst/>
+          </a:prstGeom>
+          <a:solidFill>
+            <a:srgbClr val="FFFFFF"/>
+          </a:solidFill>
+          <a:ln w="12700" cap="flat">
+            <a:solidFill>
+              <a:schemeClr val="tx1"/>
+            </a:solidFill>
+            <a:prstDash val="solid"/>
+            <a:miter/>
+            <a:headEnd type="none" w="med" len="med"/>
+            <a:tailEnd type="none" w="med" len="med"/>
+          </a:ln>
+        </p:spPr>
+        <p:txBody>
+          <a:bodyPr lIns="26786" tIns="26786" rIns="52974" bIns="26786"/>
+          <a:lstStyle/>
+          <a:p>
+            <a:pPr>
+              <a:spcBef>
+                <a:spcPts val="746"/>
+              </a:spcBef>
+              <a:defRPr/>
+            </a:pPr>
+            <a:r>
+              <a:rPr lang="en-US" sz="1300">
+                <a:solidFill>
+                  <a:srgbClr val="000000"/>
+                </a:solidFill>
+                <a:latin typeface="Arial"/>
+                <a:ea typeface="ＭＳ Ｐゴシック"/>
+                <a:cs typeface="Arial"/>
+              </a:rPr>
+              <a:t>Result of a real execution</a:t>
+            </a:r>
+            <a:endParaRPr/>
+          </a:p>
+        </p:txBody>
+      </p:sp>
+      <p:sp>
+        <p:nvSpPr>
+          <p:cNvPr id="23" name="Line 21" hidden="0"/>
+          <p:cNvSpPr>
+            <a:spLocks noChangeShapeType="1"/>
+          </p:cNvSpPr>
+          <p:nvPr isPhoto="0" userDrawn="0"/>
+        </p:nvSpPr>
+        <p:spPr bwMode="auto">
+          <a:xfrm>
+            <a:off x="5584403" y="2010296"/>
+            <a:ext cx="1721196" cy="962173"/>
+          </a:xfrm>
+          <a:prstGeom prst="line">
+            <a:avLst/>
+          </a:prstGeom>
+          <a:noFill/>
+          <a:ln w="31750" cap="flat">
+            <a:solidFill>
+              <a:schemeClr val="tx1"/>
+            </a:solidFill>
+            <a:prstDash val="solid"/>
+            <a:round/>
+            <a:headEnd type="none" w="med" len="med"/>
+            <a:tailEnd type="triangle" w="med" len="lg"/>
+          </a:ln>
+        </p:spPr>
+        <p:txBody>
+          <a:bodyPr lIns="0" tIns="0" rIns="0" bIns="0"/>
+          <a:lstStyle/>
+          <a:p>
+            <a:pPr>
+              <a:defRPr/>
+            </a:pPr>
+            <a:endParaRPr lang="fr-FR"/>
+          </a:p>
+        </p:txBody>
+      </p:sp>
+      <p:sp>
+        <p:nvSpPr>
+          <p:cNvPr id="24" name="Rectangle 22" hidden="0"/>
+          <p:cNvSpPr/>
+          <p:nvPr isPhoto="0" userDrawn="0"/>
+        </p:nvSpPr>
+        <p:spPr bwMode="auto">
+          <a:xfrm flipH="0" flipV="0">
+            <a:off x="5554265" y="2313905"/>
+            <a:ext cx="1707393" cy="250030"/>
+          </a:xfrm>
+          <a:prstGeom prst="rect">
+            <a:avLst/>
+          </a:prstGeom>
+          <a:solidFill>
+            <a:srgbClr val="FFFFFF"/>
+          </a:solidFill>
+          <a:ln w="12700" cap="flat">
+            <a:solidFill>
+              <a:schemeClr val="tx1"/>
+            </a:solidFill>
+            <a:prstDash val="solid"/>
+            <a:miter/>
+            <a:headEnd type="none" w="med" len="med"/>
+            <a:tailEnd type="none" w="med" len="med"/>
+          </a:ln>
+        </p:spPr>
+        <p:txBody>
+          <a:bodyPr lIns="26786" tIns="26786" rIns="52974" bIns="26786"/>
+          <a:lstStyle/>
+          <a:p>
+            <a:pPr>
+              <a:spcBef>
+                <a:spcPts val="746"/>
+              </a:spcBef>
+              <a:defRPr/>
+            </a:pPr>
+            <a:r>
+              <a:rPr lang="en-US" sz="1300">
+                <a:solidFill>
+                  <a:srgbClr val="000000"/>
+                </a:solidFill>
+                <a:latin typeface="Arial"/>
+                <a:ea typeface="ＭＳ Ｐゴシック"/>
+                <a:cs typeface="Arial"/>
+              </a:rPr>
+              <a:t>Model Transformation</a:t>
+            </a:r>
+            <a:endParaRPr/>
+          </a:p>
+        </p:txBody>
+      </p:sp>
+      <p:sp>
+        <p:nvSpPr>
+          <p:cNvPr id="25" name="Line 23" hidden="0"/>
+          <p:cNvSpPr>
+            <a:spLocks noChangeShapeType="1"/>
+          </p:cNvSpPr>
+          <p:nvPr isPhoto="0" userDrawn="0"/>
+        </p:nvSpPr>
+        <p:spPr bwMode="auto">
+          <a:xfrm flipH="1">
+            <a:off x="1756915" y="3429000"/>
+            <a:ext cx="2358553" cy="910827"/>
+          </a:xfrm>
+          <a:prstGeom prst="line">
+            <a:avLst/>
+          </a:prstGeom>
+          <a:noFill/>
+          <a:ln w="31750" cap="flat">
+            <a:solidFill>
+              <a:schemeClr val="tx1"/>
+            </a:solidFill>
+            <a:prstDash val="solid"/>
+            <a:round/>
+            <a:headEnd type="none" w="med" len="med"/>
+            <a:tailEnd type="triangle" w="med" len="lg"/>
+          </a:ln>
+        </p:spPr>
+        <p:txBody>
+          <a:bodyPr lIns="0" tIns="0" rIns="0" bIns="0"/>
+          <a:lstStyle/>
+          <a:p>
+            <a:pPr>
+              <a:defRPr/>
+            </a:pPr>
+            <a:endParaRPr lang="fr-FR"/>
+          </a:p>
+        </p:txBody>
+      </p:sp>
+      <p:sp>
+        <p:nvSpPr>
+          <p:cNvPr id="26" name="Rectangle 24" hidden="0"/>
+          <p:cNvSpPr/>
+          <p:nvPr isPhoto="0" userDrawn="0"/>
+        </p:nvSpPr>
+        <p:spPr bwMode="auto">
+          <a:xfrm flipH="0" flipV="0">
+            <a:off x="2061641" y="3645544"/>
+            <a:ext cx="1741288" cy="718778"/>
+          </a:xfrm>
+          <a:prstGeom prst="rect">
+            <a:avLst/>
+          </a:prstGeom>
+          <a:solidFill>
+            <a:srgbClr val="FFFFFF"/>
+          </a:solidFill>
+          <a:ln w="12700" cap="flat">
+            <a:solidFill>
+              <a:schemeClr val="tx1"/>
+            </a:solidFill>
+            <a:prstDash val="solid"/>
+            <a:miter/>
+            <a:headEnd type="none" w="med" len="med"/>
+            <a:tailEnd type="none" w="med" len="med"/>
+          </a:ln>
+        </p:spPr>
+        <p:txBody>
+          <a:bodyPr lIns="26786" tIns="26786" rIns="52974" bIns="26786"/>
+          <a:lstStyle/>
+          <a:p>
+            <a:pPr>
+              <a:spcBef>
+                <a:spcPts val="746"/>
+              </a:spcBef>
+              <a:defRPr/>
+            </a:pPr>
+            <a:r>
+              <a:rPr lang="en-US" sz="1300">
+                <a:solidFill>
+                  <a:srgbClr val="000000"/>
+                </a:solidFill>
+                <a:latin typeface="Arial"/>
+                <a:ea typeface="ＭＳ Ｐゴシック"/>
+                <a:cs typeface="Arial"/>
+              </a:rPr>
+              <a:t>Interaction between the current simulation  and the GUI</a:t>
+            </a:r>
+            <a:endParaRPr/>
+          </a:p>
+        </p:txBody>
+      </p:sp>
+      <p:sp>
+        <p:nvSpPr>
+          <p:cNvPr id="27" name="Rectangle 25" hidden="0"/>
+          <p:cNvSpPr/>
+          <p:nvPr isPhoto="0" userDrawn="0"/>
+        </p:nvSpPr>
+        <p:spPr bwMode="auto">
+          <a:xfrm flipH="0" flipV="0">
+            <a:off x="4741663" y="1686393"/>
+            <a:ext cx="1232296" cy="311624"/>
+          </a:xfrm>
+          <a:prstGeom prst="rect">
+            <a:avLst/>
+          </a:prstGeom>
+          <a:solidFill>
+            <a:srgbClr val="FFFFFF"/>
+          </a:solidFill>
+          <a:ln w="12700" cap="flat">
+            <a:solidFill>
+              <a:schemeClr val="tx1"/>
+            </a:solidFill>
+            <a:prstDash val="solid"/>
+            <a:miter/>
+            <a:headEnd type="none" w="med" len="med"/>
+            <a:tailEnd type="none" w="med" len="med"/>
+          </a:ln>
+        </p:spPr>
+        <p:txBody>
+          <a:bodyPr lIns="26786" tIns="26786" rIns="52974" bIns="26786"/>
+          <a:lstStyle/>
+          <a:p>
+            <a:pPr algn="ctr">
+              <a:spcBef>
+                <a:spcPts val="746"/>
+              </a:spcBef>
+              <a:defRPr/>
+            </a:pPr>
+            <a:r>
+              <a:rPr lang="en-US" sz="1300">
+                <a:solidFill>
+                  <a:srgbClr val="000000"/>
+                </a:solidFill>
+                <a:latin typeface="Arial"/>
+                <a:ea typeface="ＭＳ Ｐゴシック"/>
+                <a:cs typeface="Arial"/>
+              </a:rPr>
+              <a:t>Logo Semantic</a:t>
+            </a:r>
+            <a:endParaRPr/>
+          </a:p>
+        </p:txBody>
+      </p:sp>
+      <p:sp>
+        <p:nvSpPr>
+          <p:cNvPr id="28" name="Line 26" hidden="0"/>
+          <p:cNvSpPr>
+            <a:spLocks noChangeShapeType="1"/>
+          </p:cNvSpPr>
+          <p:nvPr isPhoto="0" userDrawn="0"/>
+        </p:nvSpPr>
+        <p:spPr bwMode="auto">
+          <a:xfrm rot="10799990" flipH="1">
+            <a:off x="7863706" y="4804171"/>
+            <a:ext cx="303608" cy="1116"/>
+          </a:xfrm>
+          <a:prstGeom prst="line">
+            <a:avLst/>
+          </a:prstGeom>
+          <a:noFill/>
+          <a:ln w="31750" cap="flat">
+            <a:solidFill>
+              <a:schemeClr val="tx1"/>
+            </a:solidFill>
+            <a:prstDash val="solid"/>
+            <a:round/>
+            <a:headEnd type="none" w="med" len="med"/>
+            <a:tailEnd type="triangle" w="med" len="lg"/>
+          </a:ln>
+        </p:spPr>
+        <p:txBody>
+          <a:bodyPr lIns="0" tIns="0" rIns="0" bIns="0"/>
+          <a:lstStyle/>
+          <a:p>
+            <a:pPr>
+              <a:defRPr/>
+            </a:pPr>
+            <a:endParaRPr lang="fr-FR"/>
+          </a:p>
+        </p:txBody>
+      </p:sp>
+    </p:spTree>
+  </p:cSld>
+  <p:clrMapOvr>
+    <a:masterClrMapping/>
+  </p:clrMapOvr>
+  <mc:AlternateContent xmlns:mc="http://schemas.openxmlformats.org/markup-compatibility/2006">
+    <mc:Choice xmlns:p14="http://schemas.microsoft.com/office/powerpoint/2010/main" Requires="p14">
+      <p:transition p14:dur="2000" advClick="1"/>
+    </mc:Choice>
+    <mc:Fallback>
+      <p:transition advClick="1"/>
+    </mc:Fallback>
+  </mc:AlternateContent>
+</p:sld>
+</file>
+
+<file path=ppt/slides/slide9.xml><?xml version="1.0" encoding="utf-8"?>
+<p:sld xmlns:a="http://schemas.openxmlformats.org/drawingml/2006/main" xmlns:r="http://schemas.openxmlformats.org/officeDocument/2006/relationships" xmlns:p="http://schemas.openxmlformats.org/presentationml/2006/main" xmlns:m="http://schemas.openxmlformats.org/officeDocument/2006/math" xmlns:w="http://schemas.openxmlformats.org/wordprocessingml/2006/main" showMasterPhAnim="0" show="1">
+  <p:cSld name="">
+    <p:spTree>
+      <p:nvGrpSpPr>
+        <p:cNvPr id="1" name="" hidden="0"/>
+        <p:cNvGrpSpPr/>
+        <p:nvPr isPhoto="0" userDrawn="0"/>
+      </p:nvGrpSpPr>
+      <p:grpSpPr bwMode="auto">
+        <a:xfrm>
+          <a:off x="0" y="0"/>
+          <a:ext cx="0" cy="0"/>
+          <a:chOff x="0" y="0"/>
+          <a:chExt cx="0" cy="0"/>
+        </a:xfrm>
+      </p:grpSpPr>
+      <p:sp>
+        <p:nvSpPr>
+          <p:cNvPr id="4" name="Titre 1" hidden="0"/>
+          <p:cNvSpPr>
+            <a:spLocks noGrp="1"/>
+          </p:cNvSpPr>
+          <p:nvPr isPhoto="0" userDrawn="0">
+            <p:ph type="title" hasCustomPrompt="0"/>
+          </p:nvPr>
+        </p:nvSpPr>
+        <p:spPr bwMode="auto">
+          <a:xfrm>
+            <a:off x="323527" y="116631"/>
+            <a:ext cx="8568951" cy="648072"/>
+          </a:xfrm>
+        </p:spPr>
+        <p:txBody>
+          <a:bodyPr/>
+          <a:lstStyle>
+            <a:lvl1pPr>
+              <a:defRPr sz="2800"/>
+            </a:lvl1pPr>
+          </a:lstStyle>
+          <a:p>
+            <a:pPr>
+              <a:defRPr/>
+            </a:pPr>
+            <a:r>
               <a:rPr/>
               <a:t>With potential difference between simulation and actual implementation</a:t>
             </a:r>
@@ -7505,8 +8577,8 @@
         </p:blipFill>
         <p:spPr bwMode="auto">
           <a:xfrm flipH="0" flipV="0">
-            <a:off x="2889528" y="4934262"/>
-            <a:ext cx="1631741" cy="1764466"/>
+            <a:off x="2889527" y="4372130"/>
+            <a:ext cx="2232910" cy="2326596"/>
           </a:xfrm>
           <a:prstGeom prst="rect">
             <a:avLst/>
